--- a/_37_EJB_HolaMundo/powerpoint/EJB 3.0.pptx
+++ b/_37_EJB_HolaMundo/powerpoint/EJB 3.0.pptx
@@ -538,7 +538,7 @@
           <a:p>
             <a:fld id="{18A4BF35-EB7C-40C5-B461-54BEEEB81C02}" type="datetimeFigureOut">
               <a:rPr lang="es-ES" smtClean="0"/>
-              <a:t>17/11/2022</a:t>
+              <a:t>22/11/2022</a:t>
             </a:fld>
             <a:endParaRPr lang="es-ES"/>
           </a:p>
@@ -1170,7 +1170,7 @@
           <a:p>
             <a:fld id="{F244804E-D0E4-4610-BB20-6AB68BD81C6E}" type="datetime1">
               <a:rPr lang="es-ES" smtClean="0"/>
-              <a:t>17/11/2022</a:t>
+              <a:t>22/11/2022</a:t>
             </a:fld>
             <a:endParaRPr lang="es-ES"/>
           </a:p>
@@ -2039,7 +2039,7 @@
           <a:p>
             <a:fld id="{576BB566-9FD9-4BC3-AF26-BBEDE90DAD6D}" type="datetime1">
               <a:rPr lang="es-ES" smtClean="0"/>
-              <a:t>17/11/2022</a:t>
+              <a:t>22/11/2022</a:t>
             </a:fld>
             <a:endParaRPr lang="es-ES"/>
           </a:p>
@@ -2214,7 +2214,7 @@
           <a:p>
             <a:fld id="{1CCC3964-7B70-40C9-9A76-F3D7314FEEA4}" type="datetime1">
               <a:rPr lang="es-ES" smtClean="0"/>
-              <a:t>17/11/2022</a:t>
+              <a:t>22/11/2022</a:t>
             </a:fld>
             <a:endParaRPr lang="es-ES"/>
           </a:p>
@@ -2384,7 +2384,7 @@
           <a:p>
             <a:fld id="{7027A457-6BE7-4B00-891C-0CB7697AFC50}" type="datetime1">
               <a:rPr lang="es-ES" smtClean="0"/>
-              <a:t>17/11/2022</a:t>
+              <a:t>22/11/2022</a:t>
             </a:fld>
             <a:endParaRPr lang="es-ES"/>
           </a:p>
@@ -2594,7 +2594,7 @@
           <a:p>
             <a:fld id="{A7DAE935-278C-431A-8E28-C861C3FB71F8}" type="datetime1">
               <a:rPr lang="es-ES" smtClean="0"/>
-              <a:t>17/11/2022</a:t>
+              <a:t>22/11/2022</a:t>
             </a:fld>
             <a:endParaRPr lang="es-ES"/>
           </a:p>
@@ -3408,7 +3408,7 @@
           <a:p>
             <a:fld id="{2E4C4F6F-142F-4720-AC23-D4E3EF118B80}" type="datetime1">
               <a:rPr lang="es-ES" smtClean="0"/>
-              <a:t>17/11/2022</a:t>
+              <a:t>22/11/2022</a:t>
             </a:fld>
             <a:endParaRPr lang="es-ES"/>
           </a:p>
@@ -3644,7 +3644,7 @@
           <a:p>
             <a:fld id="{F9373980-BD64-4344-AED2-F2204469495C}" type="datetime1">
               <a:rPr lang="es-ES" smtClean="0"/>
-              <a:t>17/11/2022</a:t>
+              <a:t>22/11/2022</a:t>
             </a:fld>
             <a:endParaRPr lang="es-ES"/>
           </a:p>
@@ -3967,7 +3967,7 @@
           <a:p>
             <a:fld id="{3A3DD18F-3A57-49EF-89A6-1B117370283D}" type="datetime1">
               <a:rPr lang="es-ES" smtClean="0"/>
-              <a:t>17/11/2022</a:t>
+              <a:t>22/11/2022</a:t>
             </a:fld>
             <a:endParaRPr lang="es-ES"/>
           </a:p>
@@ -4057,7 +4057,7 @@
           <a:p>
             <a:fld id="{67631264-BCCD-4989-8489-A4D2B28F09A2}" type="datetime1">
               <a:rPr lang="es-ES" smtClean="0"/>
-              <a:t>17/11/2022</a:t>
+              <a:t>22/11/2022</a:t>
             </a:fld>
             <a:endParaRPr lang="es-ES"/>
           </a:p>
@@ -4574,7 +4574,7 @@
           <a:p>
             <a:fld id="{7A91657E-8A9D-478D-8729-BABDC8858894}" type="datetime1">
               <a:rPr lang="es-ES" smtClean="0"/>
-              <a:t>17/11/2022</a:t>
+              <a:t>22/11/2022</a:t>
             </a:fld>
             <a:endParaRPr lang="es-ES"/>
           </a:p>
@@ -5085,7 +5085,7 @@
           <a:p>
             <a:fld id="{B7C24E02-30E0-4ED2-9952-C17A22C1CA93}" type="datetime1">
               <a:rPr lang="es-ES" smtClean="0"/>
-              <a:t>17/11/2022</a:t>
+              <a:t>22/11/2022</a:t>
             </a:fld>
             <a:endParaRPr lang="es-ES"/>
           </a:p>
@@ -5330,7 +5330,7 @@
           <a:p>
             <a:fld id="{62BBBAA9-CCD5-4642-A1EA-06776F5E3744}" type="datetime1">
               <a:rPr lang="es-ES" smtClean="0"/>
-              <a:t>17/11/2022</a:t>
+              <a:t>22/11/2022</a:t>
             </a:fld>
             <a:endParaRPr lang="es-ES"/>
           </a:p>
@@ -6697,15 +6697,7 @@
             </a:pPr>
             <a:r>
               <a:rPr lang="es-ES" dirty="0"/>
-              <a:t>@Local(</a:t>
-            </a:r>
-            <a:r>
-              <a:rPr lang="es-ES" dirty="0" err="1"/>
-              <a:t>Service.class</a:t>
-            </a:r>
-            <a:r>
-              <a:rPr lang="es-ES" dirty="0"/>
-              <a:t>)</a:t>
+              <a:t>@LocalBean</a:t>
             </a:r>
           </a:p>
           <a:p>
